--- a/prezentace.pptx
+++ b/prezentace.pptx
@@ -3086,6 +3086,13 @@
   <p:clrMapOvr>
     <a:masterClrMapping/>
   </p:clrMapOvr>
+  <p:timing>
+    <p:tnLst>
+      <p:par>
+        <p:cTn id="1" dur="indefinite" restart="never" nodeType="tmRoot"/>
+      </p:par>
+    </p:tnLst>
+  </p:timing>
 </p:sld>
 </file>
 
@@ -3149,8 +3156,16 @@
               <a:buChar char="+"/>
             </a:pPr>
             <a:r>
+              <a:rPr lang="sk-SK" dirty="0" smtClean="0"/>
+              <a:t> </a:t>
+            </a:r>
+            <a:r>
+              <a:rPr lang="en-US" dirty="0" smtClean="0"/>
+              <a:t>Working </a:t>
+            </a:r>
+            <a:r>
               <a:rPr lang="en-US" dirty="0"/>
-              <a:t>Working on our own project</a:t>
+              <a:t>on our own project</a:t>
             </a:r>
           </a:p>
           <a:p>
@@ -3159,8 +3174,16 @@
               <a:buChar char="+"/>
             </a:pPr>
             <a:r>
+              <a:rPr lang="sk-SK" dirty="0" smtClean="0"/>
+              <a:t> </a:t>
+            </a:r>
+            <a:r>
+              <a:rPr lang="en-US" dirty="0" smtClean="0"/>
+              <a:t>New </a:t>
+            </a:r>
+            <a:r>
               <a:rPr lang="en-US" dirty="0"/>
-              <a:t>New technologies</a:t>
+              <a:t>technologies</a:t>
             </a:r>
           </a:p>
           <a:p>
@@ -3169,8 +3192,16 @@
               <a:buChar char="+"/>
             </a:pPr>
             <a:r>
+              <a:rPr lang="sk-SK" dirty="0" smtClean="0"/>
+              <a:t> </a:t>
+            </a:r>
+            <a:r>
+              <a:rPr lang="en-US" dirty="0" smtClean="0"/>
+              <a:t>Example </a:t>
+            </a:r>
+            <a:r>
               <a:rPr lang="en-US" dirty="0"/>
-              <a:t>Example project was helpful</a:t>
+              <a:t>project was helpful</a:t>
             </a:r>
           </a:p>
           <a:p>
@@ -3179,9 +3210,23 @@
               <a:buChar char="+"/>
             </a:pPr>
             <a:r>
+              <a:rPr lang="sk-SK" dirty="0" smtClean="0"/>
+              <a:t> </a:t>
+            </a:r>
+            <a:r>
+              <a:rPr lang="en-US" dirty="0" smtClean="0"/>
+              <a:t>Evaluation </a:t>
+            </a:r>
+            <a:r>
               <a:rPr lang="en-US" dirty="0"/>
-              <a:t>Evaluation from others</a:t>
-            </a:r>
+              <a:t>from others</a:t>
+            </a:r>
+          </a:p>
+          <a:p>
+            <a:pPr marL="0" indent="0">
+              <a:buNone/>
+            </a:pPr>
+            <a:endParaRPr lang="sk-SK" dirty="0" smtClean="0"/>
           </a:p>
           <a:p>
             <a:pPr>
@@ -3189,12 +3234,12 @@
               <a:buChar char="-"/>
             </a:pPr>
             <a:r>
-              <a:rPr lang="en-US"/>
-              <a:t>No official milestone </a:t>
+              <a:rPr lang="en-US" dirty="0" smtClean="0"/>
+              <a:t>No </a:t>
             </a:r>
             <a:r>
               <a:rPr lang="en-US" dirty="0"/>
-              <a:t>evaluation</a:t>
+              <a:t>official milestone evaluation</a:t>
             </a:r>
             <a:endParaRPr lang="cs-CZ" dirty="0"/>
           </a:p>
@@ -3210,6 +3255,13 @@
   <p:clrMapOvr>
     <a:masterClrMapping/>
   </p:clrMapOvr>
+  <p:timing>
+    <p:tnLst>
+      <p:par>
+        <p:cTn id="1" dur="indefinite" restart="never" nodeType="tmRoot"/>
+      </p:par>
+    </p:tnLst>
+  </p:timing>
 </p:sld>
 </file>
 
@@ -3278,6 +3330,13 @@
   <p:clrMapOvr>
     <a:masterClrMapping/>
   </p:clrMapOvr>
+  <p:timing>
+    <p:tnLst>
+      <p:par>
+        <p:cTn id="1" dur="indefinite" restart="never" nodeType="tmRoot"/>
+      </p:par>
+    </p:tnLst>
+  </p:timing>
 </p:sld>
 </file>
 
@@ -3339,9 +3398,16 @@
             <p:ph idx="1"/>
           </p:nvPr>
         </p:nvSpPr>
-        <p:spPr/>
-        <p:txBody>
-          <a:bodyPr/>
+        <p:spPr>
+          <a:xfrm>
+            <a:off x="838200" y="1450486"/>
+            <a:ext cx="10515600" cy="4872159"/>
+          </a:xfrm>
+        </p:spPr>
+        <p:txBody>
+          <a:bodyPr>
+            <a:normAutofit fontScale="92500"/>
+          </a:bodyPr>
           <a:lstStyle/>
           <a:p>
             <a:r>
@@ -3352,15 +3418,29 @@
           <a:p>
             <a:r>
               <a:rPr lang="en-US" dirty="0"/>
-              <a:t>Project is divided into five major module</a:t>
-            </a:r>
+              <a:t>Project is divided into five major </a:t>
+            </a:r>
+            <a:r>
+              <a:rPr lang="en-US" dirty="0" smtClean="0"/>
+              <a:t>module</a:t>
+            </a:r>
+            <a:r>
+              <a:rPr lang="sk-SK" dirty="0" smtClean="0"/>
+              <a:t>s</a:t>
+            </a:r>
+            <a:endParaRPr lang="en-US" dirty="0"/>
           </a:p>
           <a:p>
             <a:pPr lvl="1"/>
-            <a:r>
-              <a:rPr lang="en-US" dirty="0"/>
+            <a:endParaRPr lang="sk-SK" dirty="0" smtClean="0"/>
+          </a:p>
+          <a:p>
+            <a:pPr lvl="1"/>
+            <a:r>
+              <a:rPr lang="en-US" dirty="0" smtClean="0"/>
               <a:t>API</a:t>
             </a:r>
+            <a:endParaRPr lang="en-US" dirty="0"/>
           </a:p>
           <a:p>
             <a:pPr lvl="2"/>
@@ -3402,9 +3482,43 @@
               <a:t>Services, </a:t>
             </a:r>
             <a:r>
-              <a:rPr lang="en-US" dirty="0" err="1"/>
+              <a:rPr lang="en-US" dirty="0" err="1" smtClean="0"/>
               <a:t>FacadeImpl</a:t>
             </a:r>
+            <a:endParaRPr lang="sk-SK" dirty="0" smtClean="0"/>
+          </a:p>
+          <a:p>
+            <a:pPr lvl="1"/>
+            <a:r>
+              <a:rPr lang="en-US" dirty="0"/>
+              <a:t>REST</a:t>
+            </a:r>
+          </a:p>
+          <a:p>
+            <a:pPr lvl="2"/>
+            <a:r>
+              <a:rPr lang="en-US" dirty="0"/>
+              <a:t>Rest facades</a:t>
+            </a:r>
+          </a:p>
+          <a:p>
+            <a:pPr lvl="1"/>
+            <a:r>
+              <a:rPr lang="en-US" dirty="0"/>
+              <a:t>MVC</a:t>
+            </a:r>
+          </a:p>
+          <a:p>
+            <a:pPr lvl="2"/>
+            <a:r>
+              <a:rPr lang="en-US" dirty="0"/>
+              <a:t>Controllers, JSPs</a:t>
+            </a:r>
+          </a:p>
+          <a:p>
+            <a:pPr marL="914400" lvl="2" indent="0">
+              <a:buNone/>
+            </a:pPr>
             <a:endParaRPr lang="en-US" dirty="0"/>
           </a:p>
           <a:p>
@@ -3425,6 +3539,13 @@
   <p:clrMapOvr>
     <a:masterClrMapping/>
   </p:clrMapOvr>
+  <p:timing>
+    <p:tnLst>
+      <p:par>
+        <p:cTn id="1" dur="indefinite" restart="never" nodeType="tmRoot"/>
+      </p:par>
+    </p:tnLst>
+  </p:timing>
 </p:sld>
 </file>
 
@@ -3455,12 +3576,19 @@
             <p:ph type="title"/>
           </p:nvPr>
         </p:nvSpPr>
-        <p:spPr/>
-        <p:txBody>
-          <a:bodyPr/>
-          <a:lstStyle/>
-          <a:p>
-            <a:endParaRPr lang="cs-CZ"/>
+        <p:spPr>
+          <a:xfrm>
+            <a:off x="838200" y="169741"/>
+            <a:ext cx="10515600" cy="205398"/>
+          </a:xfrm>
+        </p:spPr>
+        <p:txBody>
+          <a:bodyPr>
+            <a:normAutofit fontScale="90000"/>
+          </a:bodyPr>
+          <a:lstStyle/>
+          <a:p>
+            <a:endParaRPr lang="cs-CZ" dirty="0"/>
           </a:p>
         </p:txBody>
       </p:sp>
@@ -3474,42 +3602,139 @@
             <p:ph idx="1"/>
           </p:nvPr>
         </p:nvSpPr>
-        <p:spPr/>
-        <p:txBody>
-          <a:bodyPr/>
-          <a:lstStyle/>
-          <a:p>
-            <a:pPr lvl="1"/>
+        <p:spPr>
+          <a:xfrm>
+            <a:off x="752231" y="958117"/>
+            <a:ext cx="10515600" cy="4351338"/>
+          </a:xfrm>
+        </p:spPr>
+        <p:txBody>
+          <a:bodyPr>
+            <a:normAutofit/>
+          </a:bodyPr>
+          <a:lstStyle/>
+          <a:p>
+            <a:pPr marL="0" indent="0">
+              <a:buNone/>
+            </a:pPr>
+            <a:r>
+              <a:rPr lang="en-US" dirty="0" smtClean="0"/>
+              <a:t>Application </a:t>
+            </a:r>
             <a:r>
               <a:rPr lang="en-US" dirty="0"/>
-              <a:t>REST</a:t>
-            </a:r>
-          </a:p>
-          <a:p>
-            <a:pPr lvl="2"/>
+              <a:t>allows </a:t>
+            </a:r>
+            <a:r>
+              <a:rPr lang="en-US" dirty="0" smtClean="0"/>
+              <a:t>user </a:t>
+            </a:r>
+            <a:r>
+              <a:rPr lang="sk-SK" dirty="0" smtClean="0"/>
+              <a:t>to:</a:t>
+            </a:r>
+          </a:p>
+          <a:p>
+            <a:endParaRPr lang="sk-SK" dirty="0"/>
+          </a:p>
+          <a:p>
+            <a:r>
+              <a:rPr lang="en-US" dirty="0" smtClean="0"/>
+              <a:t>create </a:t>
+            </a:r>
             <a:r>
               <a:rPr lang="en-US" dirty="0"/>
-              <a:t>Rest facades</a:t>
-            </a:r>
-          </a:p>
-          <a:p>
-            <a:pPr lvl="1"/>
+              <a:t>new albums, songs, musicians and </a:t>
+            </a:r>
+            <a:r>
+              <a:rPr lang="en-US" dirty="0" smtClean="0"/>
+              <a:t>genres</a:t>
+            </a:r>
+            <a:r>
+              <a:rPr lang="sk-SK" dirty="0" smtClean="0"/>
+              <a:t> </a:t>
+            </a:r>
+          </a:p>
+          <a:p>
             <a:r>
               <a:rPr lang="en-US" dirty="0"/>
-              <a:t>MVC</a:t>
-            </a:r>
-          </a:p>
-          <a:p>
-            <a:pPr lvl="2"/>
+              <a:t>edit </a:t>
+            </a:r>
+            <a:r>
+              <a:rPr lang="sk-SK" dirty="0" smtClean="0"/>
+              <a:t>and</a:t>
+            </a:r>
+            <a:r>
+              <a:rPr lang="en-US" dirty="0" smtClean="0"/>
+              <a:t> delete </a:t>
+            </a:r>
             <a:r>
               <a:rPr lang="en-US" dirty="0"/>
-              <a:t>Controllers, JSPs</a:t>
-            </a:r>
-          </a:p>
-          <a:p>
+              <a:t>all of these above</a:t>
+            </a:r>
+            <a:endParaRPr lang="sk-SK" dirty="0" smtClean="0"/>
+          </a:p>
+          <a:p>
+            <a:r>
+              <a:rPr lang="sk-SK" dirty="0"/>
+              <a:t>a</a:t>
+            </a:r>
+            <a:r>
+              <a:rPr lang="en-US" dirty="0" err="1" smtClean="0"/>
+              <a:t>dd</a:t>
+            </a:r>
+            <a:r>
+              <a:rPr lang="en-US" dirty="0" smtClean="0"/>
+              <a:t> song</a:t>
+            </a:r>
+            <a:r>
+              <a:rPr lang="sk-SK" dirty="0" smtClean="0"/>
+              <a:t>s</a:t>
+            </a:r>
+            <a:r>
+              <a:rPr lang="en-US" dirty="0" smtClean="0"/>
+              <a:t> </a:t>
+            </a:r>
             <a:r>
               <a:rPr lang="en-US" dirty="0"/>
-              <a:t>Application allows users create new albums, songs, musicians and genres. Add song to album, edit or delete all of these above, rate album, select from different search filters and show detail of each album, song, musician or genre.</a:t>
+              <a:t>to </a:t>
+            </a:r>
+            <a:r>
+              <a:rPr lang="en-US" dirty="0" smtClean="0"/>
+              <a:t>album </a:t>
+            </a:r>
+            <a:endParaRPr lang="sk-SK" dirty="0" smtClean="0"/>
+          </a:p>
+          <a:p>
+            <a:r>
+              <a:rPr lang="en-US" dirty="0" smtClean="0"/>
+              <a:t>rate album</a:t>
+            </a:r>
+            <a:r>
+              <a:rPr lang="sk-SK" smtClean="0"/>
+              <a:t>s and songs</a:t>
+            </a:r>
+            <a:endParaRPr lang="sk-SK" dirty="0" smtClean="0"/>
+          </a:p>
+          <a:p>
+            <a:r>
+              <a:rPr lang="en-US" dirty="0" smtClean="0"/>
+              <a:t>select </a:t>
+            </a:r>
+            <a:r>
+              <a:rPr lang="en-US" dirty="0"/>
+              <a:t>from different search filters </a:t>
+            </a:r>
+            <a:endParaRPr lang="sk-SK" dirty="0" smtClean="0"/>
+          </a:p>
+          <a:p>
+            <a:r>
+              <a:rPr lang="en-US" dirty="0" smtClean="0"/>
+              <a:t>show </a:t>
+            </a:r>
+            <a:r>
+              <a:rPr lang="en-US" dirty="0"/>
+              <a:t>detail of each album, song, musician or genre.</a:t>
             </a:r>
           </a:p>
           <a:p>
@@ -3527,6 +3752,13 @@
   <p:clrMapOvr>
     <a:masterClrMapping/>
   </p:clrMapOvr>
+  <p:timing>
+    <p:tnLst>
+      <p:par>
+        <p:cTn id="1" dur="indefinite" restart="never" nodeType="tmRoot"/>
+      </p:par>
+    </p:tnLst>
+  </p:timing>
 </p:sld>
 </file>
 
@@ -3598,6 +3830,13 @@
   <p:clrMapOvr>
     <a:masterClrMapping/>
   </p:clrMapOvr>
+  <p:timing>
+    <p:tnLst>
+      <p:par>
+        <p:cTn id="1" dur="indefinite" restart="never" nodeType="tmRoot"/>
+      </p:par>
+    </p:tnLst>
+  </p:timing>
 </p:sld>
 </file>
 
@@ -3658,6 +3897,13 @@
   <p:clrMapOvr>
     <a:masterClrMapping/>
   </p:clrMapOvr>
+  <p:timing>
+    <p:tnLst>
+      <p:par>
+        <p:cTn id="1" dur="indefinite" restart="never" nodeType="tmRoot"/>
+      </p:par>
+    </p:tnLst>
+  </p:timing>
 </p:sld>
 </file>
 
@@ -3718,6 +3964,13 @@
   <p:clrMapOvr>
     <a:masterClrMapping/>
   </p:clrMapOvr>
+  <p:timing>
+    <p:tnLst>
+      <p:par>
+        <p:cTn id="1" dur="indefinite" restart="never" nodeType="tmRoot"/>
+      </p:par>
+    </p:tnLst>
+  </p:timing>
 </p:sld>
 </file>
 
@@ -3778,6 +4031,13 @@
   <p:clrMapOvr>
     <a:masterClrMapping/>
   </p:clrMapOvr>
+  <p:timing>
+    <p:tnLst>
+      <p:par>
+        <p:cTn id="1" dur="indefinite" restart="never" nodeType="tmRoot"/>
+      </p:par>
+    </p:tnLst>
+  </p:timing>
 </p:sld>
 </file>
 
@@ -3843,14 +4103,15 @@
         </p:spPr>
         <p:txBody>
           <a:bodyPr>
-            <a:normAutofit lnSpcReduction="10000"/>
+            <a:normAutofit/>
           </a:bodyPr>
           <a:lstStyle/>
           <a:p>
             <a:r>
-              <a:rPr lang="en-US" dirty="0"/>
+              <a:rPr lang="en-US" dirty="0" smtClean="0"/>
               <a:t>JAVA8</a:t>
             </a:r>
+            <a:endParaRPr lang="en-US" dirty="0"/>
           </a:p>
           <a:p>
             <a:r>
@@ -3884,23 +4145,9 @@
           </a:p>
           <a:p>
             <a:r>
-              <a:rPr lang="en-US" dirty="0"/>
+              <a:rPr lang="en-US" dirty="0" smtClean="0"/>
               <a:t>Derby</a:t>
             </a:r>
-          </a:p>
-          <a:p>
-            <a:r>
-              <a:rPr lang="en-US" dirty="0" err="1"/>
-              <a:t>Mockito</a:t>
-            </a:r>
-            <a:endParaRPr lang="en-US" dirty="0"/>
-          </a:p>
-          <a:p>
-            <a:r>
-              <a:rPr lang="en-US" dirty="0"/>
-              <a:t>Dozer</a:t>
-            </a:r>
-            <a:endParaRPr lang="cs-CZ" dirty="0"/>
           </a:p>
         </p:txBody>
       </p:sp>
@@ -3913,7 +4160,7 @@
         <p:spPr>
           <a:xfrm>
             <a:off x="5654180" y="1842403"/>
-            <a:ext cx="6190292" cy="1815882"/>
+            <a:ext cx="6190292" cy="3108543"/>
           </a:xfrm>
           <a:prstGeom prst="rect">
             <a:avLst/>
@@ -3931,8 +4178,8 @@
               <a:buChar char="•"/>
             </a:pPr>
             <a:r>
-              <a:rPr lang="en-US" sz="2800" dirty="0"/>
-              <a:t>Log4j</a:t>
+              <a:rPr lang="sk-SK" sz="2800" dirty="0" smtClean="0"/>
+              <a:t>Mockito</a:t>
             </a:r>
           </a:p>
           <a:p>
@@ -3941,10 +4188,10 @@
               <a:buChar char="•"/>
             </a:pPr>
             <a:r>
-              <a:rPr lang="en-US" sz="2800" dirty="0" err="1"/>
-              <a:t>Git</a:t>
-            </a:r>
-            <a:endParaRPr lang="en-US" sz="2800" dirty="0"/>
+              <a:rPr lang="sk-SK" sz="2800" dirty="0" smtClean="0"/>
+              <a:t>Dozer</a:t>
+            </a:r>
+            <a:endParaRPr lang="sk-SK" sz="2800" dirty="0" smtClean="0"/>
           </a:p>
           <a:p>
             <a:pPr marL="285750" indent="-285750">
@@ -3952,9 +4199,43 @@
               <a:buChar char="•"/>
             </a:pPr>
             <a:r>
-              <a:rPr lang="en-US" sz="2800" dirty="0"/>
+              <a:rPr lang="en-US" sz="2800" dirty="0" smtClean="0"/>
+              <a:t>Log4j</a:t>
+            </a:r>
+            <a:endParaRPr lang="en-US" sz="2800" dirty="0"/>
+          </a:p>
+          <a:p>
+            <a:pPr marL="285750" indent="-285750">
+              <a:buFont typeface="Arial" panose="020B0604020202020204" pitchFamily="34" charset="0"/>
+              <a:buChar char="•"/>
+            </a:pPr>
+            <a:r>
+              <a:rPr lang="en-US" sz="2800" dirty="0" err="1"/>
+              <a:t>Git</a:t>
+            </a:r>
+            <a:endParaRPr lang="en-US" sz="2800" dirty="0"/>
+          </a:p>
+          <a:p>
+            <a:pPr marL="285750" indent="-285750">
+              <a:buFont typeface="Arial" panose="020B0604020202020204" pitchFamily="34" charset="0"/>
+              <a:buChar char="•"/>
+            </a:pPr>
+            <a:r>
+              <a:rPr lang="en-US" sz="2800" dirty="0" smtClean="0"/>
               <a:t>Travis</a:t>
             </a:r>
+            <a:endParaRPr lang="sk-SK" sz="2800" dirty="0" smtClean="0"/>
+          </a:p>
+          <a:p>
+            <a:pPr marL="285750" indent="-285750">
+              <a:buFont typeface="Arial" panose="020B0604020202020204" pitchFamily="34" charset="0"/>
+              <a:buChar char="•"/>
+            </a:pPr>
+            <a:r>
+              <a:rPr lang="sk-SK" sz="2800" dirty="0" smtClean="0"/>
+              <a:t>Trello</a:t>
+            </a:r>
+            <a:endParaRPr lang="en-US" sz="2800" dirty="0"/>
           </a:p>
           <a:p>
             <a:pPr marL="285750" indent="-285750">
@@ -3975,6 +4256,13 @@
   <p:clrMapOvr>
     <a:masterClrMapping/>
   </p:clrMapOvr>
+  <p:timing>
+    <p:tnLst>
+      <p:par>
+        <p:cTn id="1" dur="indefinite" restart="never" nodeType="tmRoot"/>
+      </p:par>
+    </p:tnLst>
+  </p:timing>
 </p:sld>
 </file>
 
@@ -4038,29 +4326,46 @@
               <a:t>Each member of the team did at least one entity, </a:t>
             </a:r>
             <a:r>
-              <a:rPr lang="en-US" dirty="0" err="1"/>
-              <a:t>dao</a:t>
+              <a:rPr lang="sk-SK" dirty="0" smtClean="0"/>
+              <a:t>DAO</a:t>
+            </a:r>
+            <a:r>
+              <a:rPr lang="en-US" dirty="0" smtClean="0"/>
+              <a:t> </a:t>
             </a:r>
             <a:r>
               <a:rPr lang="en-US" dirty="0"/>
-              <a:t> class, test for entity and </a:t>
-            </a:r>
-            <a:r>
-              <a:rPr lang="en-US" dirty="0" err="1"/>
-              <a:t>dao</a:t>
+              <a:t>class, test for entity and </a:t>
+            </a:r>
+            <a:r>
+              <a:rPr lang="sk-SK" dirty="0" smtClean="0"/>
+              <a:t>DAO</a:t>
+            </a:r>
+            <a:r>
+              <a:rPr lang="en-US" dirty="0" smtClean="0"/>
+              <a:t>, </a:t>
             </a:r>
             <a:r>
               <a:rPr lang="en-US" dirty="0"/>
-              <a:t>, service class and test for service, facade and test facade class, </a:t>
-            </a:r>
-            <a:r>
-              <a:rPr lang="en-US" dirty="0" err="1"/>
-              <a:t>mvc</a:t>
+              <a:t>service class and test for service, facade and test facade class, </a:t>
+            </a:r>
+            <a:r>
+              <a:rPr lang="sk-SK" dirty="0" smtClean="0"/>
+              <a:t>MVC </a:t>
+            </a:r>
+            <a:r>
+              <a:rPr lang="en-US" dirty="0" smtClean="0"/>
+              <a:t>controller </a:t>
             </a:r>
             <a:r>
               <a:rPr lang="en-US" dirty="0"/>
-              <a:t> controller and few JSPs.</a:t>
-            </a:r>
+              <a:t>and few </a:t>
+            </a:r>
+            <a:r>
+              <a:rPr lang="en-US" dirty="0" smtClean="0"/>
+              <a:t>JSPs</a:t>
+            </a:r>
+            <a:endParaRPr lang="en-US" dirty="0"/>
           </a:p>
           <a:p>
             <a:r>
@@ -4107,6 +4412,13 @@
   <p:clrMapOvr>
     <a:masterClrMapping/>
   </p:clrMapOvr>
+  <p:timing>
+    <p:tnLst>
+      <p:par>
+        <p:cTn id="1" dur="indefinite" restart="never" nodeType="tmRoot"/>
+      </p:par>
+    </p:tnLst>
+  </p:timing>
 </p:sld>
 </file>
 
